--- a/SourceCode/GreenField/GreenField.Web/Templates/Abbrev IC Report template.pptx
+++ b/SourceCode/GreenField/GreenField.Web/Templates/Abbrev IC Report template.pptx
@@ -318,7 +318,7 @@
             <a:fld id="{7BA49677-E515-4D80-9969-42B0962A10A0}" type="datetime1">
               <a:rPr lang="en-US"/>
               <a:pPr/>
-              <a:t>10/24/2014</a:t>
+              <a:t>10/29/2014</a:t>
             </a:fld>
             <a:endParaRPr lang="en-US"/>
           </a:p>
@@ -1362,7 +1362,7 @@
           <a:p>
             <a:fld id="{221F4587-3C4B-45A7-B26F-E61215212BD7}" type="datetime1">
               <a:rPr lang="en-US" smtClean="0"/>
-              <a:t>10/24/2014</a:t>
+              <a:t>10/29/2014</a:t>
             </a:fld>
             <a:endParaRPr lang="en-GB" dirty="0"/>
           </a:p>
@@ -1719,7 +1719,7 @@
           <a:p>
             <a:fld id="{5D4DDECE-779E-4403-BDF1-EC482D17F582}" type="datetime1">
               <a:rPr lang="en-US" smtClean="0"/>
-              <a:t>10/24/2014</a:t>
+              <a:t>10/29/2014</a:t>
             </a:fld>
             <a:endParaRPr lang="en-GB" dirty="0"/>
           </a:p>
@@ -2037,7 +2037,7 @@
           <a:p>
             <a:fld id="{DB5E7B97-3E05-4B55-BA90-6DF6A5CD8979}" type="datetime1">
               <a:rPr lang="en-US" smtClean="0"/>
-              <a:t>10/24/2014</a:t>
+              <a:t>10/29/2014</a:t>
             </a:fld>
             <a:endParaRPr lang="en-GB" dirty="0"/>
           </a:p>
@@ -2435,7 +2435,7 @@
           <a:p>
             <a:fld id="{4A55851F-C0CB-47F9-B3EA-A1782DCC4E66}" type="datetime1">
               <a:rPr lang="en-US" smtClean="0"/>
-              <a:t>10/24/2014</a:t>
+              <a:t>10/29/2014</a:t>
             </a:fld>
             <a:endParaRPr lang="en-GB" dirty="0"/>
           </a:p>
@@ -2833,7 +2833,7 @@
           <a:p>
             <a:fld id="{1462931B-2C99-41CD-8E87-9F5B01EB283C}" type="datetime1">
               <a:rPr lang="en-US" smtClean="0"/>
-              <a:t>10/24/2014</a:t>
+              <a:t>10/29/2014</a:t>
             </a:fld>
             <a:endParaRPr lang="en-GB" dirty="0"/>
           </a:p>
@@ -3157,7 +3157,7 @@
           <a:p>
             <a:fld id="{4FFB188F-A3DF-45DE-9366-DAFD81A4F846}" type="datetime1">
               <a:rPr lang="en-US" smtClean="0"/>
-              <a:t>10/24/2014</a:t>
+              <a:t>10/29/2014</a:t>
             </a:fld>
             <a:endParaRPr lang="en-GB" dirty="0"/>
           </a:p>
@@ -3481,7 +3481,7 @@
           <a:p>
             <a:fld id="{8CD432C1-BA4F-4DF9-B060-04EEA74AEB63}" type="datetime1">
               <a:rPr lang="en-US" smtClean="0"/>
-              <a:t>10/24/2014</a:t>
+              <a:t>10/29/2014</a:t>
             </a:fld>
             <a:endParaRPr lang="en-GB" dirty="0"/>
           </a:p>
@@ -3772,7 +3772,7 @@
           <a:p>
             <a:fld id="{9F3C91F2-FBB3-4742-8B5C-7E55D30FC346}" type="datetime1">
               <a:rPr lang="en-US" smtClean="0"/>
-              <a:t>10/24/2014</a:t>
+              <a:t>10/29/2014</a:t>
             </a:fld>
             <a:endParaRPr lang="en-GB" dirty="0"/>
           </a:p>
@@ -3989,7 +3989,7 @@
           <a:p>
             <a:fld id="{2E14C53F-BF27-4CA7-8275-1A34A7D51537}" type="datetime1">
               <a:rPr lang="en-US" smtClean="0"/>
-              <a:t>10/24/2014</a:t>
+              <a:t>10/29/2014</a:t>
             </a:fld>
             <a:endParaRPr lang="en-GB" dirty="0"/>
           </a:p>
@@ -4206,7 +4206,7 @@
           <a:p>
             <a:fld id="{9B619E48-0410-4C02-AFAC-073FDB2FBD47}" type="datetime1">
               <a:rPr lang="en-US" smtClean="0"/>
-              <a:t>10/24/2014</a:t>
+              <a:t>10/29/2014</a:t>
             </a:fld>
             <a:endParaRPr lang="en-GB" dirty="0"/>
           </a:p>
@@ -4377,7 +4377,7 @@
           <a:p>
             <a:fld id="{2B98A838-AA72-4594-ACAF-57868F9946A0}" type="datetime1">
               <a:rPr lang="en-US" smtClean="0"/>
-              <a:t>10/24/2014</a:t>
+              <a:t>10/29/2014</a:t>
             </a:fld>
             <a:endParaRPr lang="en-GB" dirty="0"/>
           </a:p>
@@ -4865,7 +4865,7 @@
           <a:p>
             <a:fld id="{D5235630-917D-47C5-A7FD-05EDE5C2EC97}" type="datetime1">
               <a:rPr lang="en-US" smtClean="0"/>
-              <a:t>10/24/2014</a:t>
+              <a:t>10/29/2014</a:t>
             </a:fld>
             <a:endParaRPr lang="en-GB" dirty="0"/>
           </a:p>
@@ -5014,7 +5014,7 @@
           <a:p>
             <a:fld id="{CF31C152-3035-461B-9FE9-A713524E711D}" type="datetime1">
               <a:rPr lang="en-US" smtClean="0"/>
-              <a:t>10/24/2014</a:t>
+              <a:t>10/29/2014</a:t>
             </a:fld>
             <a:endParaRPr lang="en-GB" dirty="0"/>
           </a:p>
@@ -5443,7 +5443,7 @@
           <a:p>
             <a:fld id="{044B89F7-7123-4CDC-B897-5FFC4B928E38}" type="datetime1">
               <a:rPr lang="en-US" smtClean="0"/>
-              <a:t>10/24/2014</a:t>
+              <a:t>10/29/2014</a:t>
             </a:fld>
             <a:endParaRPr lang="en-GB" dirty="0"/>
           </a:p>
@@ -5742,7 +5742,7 @@
           <a:p>
             <a:fld id="{FEE53783-98F3-4518-B0F1-483EEA357D14}" type="datetime1">
               <a:rPr lang="en-US" smtClean="0"/>
-              <a:t>10/24/2014</a:t>
+              <a:t>10/29/2014</a:t>
             </a:fld>
             <a:endParaRPr lang="en-GB" dirty="0"/>
           </a:p>
@@ -6074,7 +6074,7 @@
           <a:p>
             <a:fld id="{8E44F8FC-BFC5-45B3-BDBC-AB429CDAD8AB}" type="datetime1">
               <a:rPr lang="en-US" smtClean="0"/>
-              <a:t>10/24/2014</a:t>
+              <a:t>10/29/2014</a:t>
             </a:fld>
             <a:endParaRPr lang="en-GB" dirty="0"/>
           </a:p>
@@ -6513,7 +6513,7 @@
           <a:p>
             <a:fld id="{19F2D611-B658-40CB-A3C9-5636775BE6D3}" type="datetime1">
               <a:rPr lang="en-US" smtClean="0"/>
-              <a:t>10/24/2014</a:t>
+              <a:t>10/29/2014</a:t>
             </a:fld>
             <a:endParaRPr lang="en-GB" dirty="0"/>
           </a:p>
@@ -7071,7 +7071,7 @@
           <a:p>
             <a:fld id="{6F46AB46-B9E5-459F-8C87-534B33EF7994}" type="datetime1">
               <a:rPr lang="en-US" smtClean="0"/>
-              <a:t>10/24/2014</a:t>
+              <a:t>10/29/2014</a:t>
             </a:fld>
             <a:endParaRPr lang="en-GB" dirty="0"/>
           </a:p>
@@ -7275,7 +7275,7 @@
           <a:p>
             <a:fld id="{239014C9-6137-49EE-BD92-93CD75EA122E}" type="datetime1">
               <a:rPr lang="en-US" smtClean="0"/>
-              <a:t>10/24/2014</a:t>
+              <a:t>10/29/2014</a:t>
             </a:fld>
             <a:endParaRPr lang="en-GB" dirty="0"/>
           </a:p>
@@ -7479,7 +7479,7 @@
           <a:p>
             <a:fld id="{8F93730E-7C97-4F11-A885-A8A3179CDF9D}" type="datetime1">
               <a:rPr lang="en-US" smtClean="0"/>
-              <a:t>10/24/2014</a:t>
+              <a:t>10/29/2014</a:t>
             </a:fld>
             <a:endParaRPr lang="en-GB" dirty="0"/>
           </a:p>
@@ -7683,7 +7683,7 @@
           <a:p>
             <a:fld id="{A0CFCDFA-6933-4EAC-BEFF-5BC170CA4404}" type="datetime1">
               <a:rPr lang="en-US" smtClean="0"/>
-              <a:t>10/24/2014</a:t>
+              <a:t>10/29/2014</a:t>
             </a:fld>
             <a:endParaRPr lang="en-GB" dirty="0"/>
           </a:p>
@@ -7930,7 +7930,7 @@
           <a:p>
             <a:fld id="{CB6B008C-3601-43E4-B8C3-F11D36064B19}" type="datetime1">
               <a:rPr lang="en-US" smtClean="0"/>
-              <a:t>10/24/2014</a:t>
+              <a:t>10/29/2014</a:t>
             </a:fld>
             <a:endParaRPr lang="en-GB" dirty="0"/>
           </a:p>
@@ -8116,7 +8116,7 @@
           <a:p>
             <a:fld id="{A2A6D869-B416-4AD0-8C4F-183B93BDC3F2}" type="datetime1">
               <a:rPr lang="en-US" smtClean="0"/>
-              <a:t>10/24/2014</a:t>
+              <a:t>10/29/2014</a:t>
             </a:fld>
             <a:endParaRPr lang="en-GB" dirty="0"/>
           </a:p>
@@ -8285,7 +8285,7 @@
           <a:p>
             <a:fld id="{0EDA1953-F1C9-4687-9D65-25471E433FB8}" type="datetime1">
               <a:rPr lang="en-US" smtClean="0"/>
-              <a:t>10/24/2014</a:t>
+              <a:t>10/29/2014</a:t>
             </a:fld>
             <a:endParaRPr lang="en-GB" dirty="0"/>
           </a:p>
@@ -10221,7 +10221,15 @@
                   <a:srgbClr val="00295B"/>
                 </a:solidFill>
               </a:rPr>
-              <a:t>Company name   </a:t>
+              <a:t>Company name</a:t>
+            </a:r>
+            <a:r>
+              <a:rPr lang="en-US" sz="1400" b="1" dirty="0">
+                <a:solidFill>
+                  <a:srgbClr val="00295B"/>
+                </a:solidFill>
+              </a:rPr>
+              <a:t> </a:t>
             </a:r>
             <a:endParaRPr lang="en-GB" sz="1400" b="1" dirty="0"/>
           </a:p>
@@ -10249,7 +10257,7 @@
           <a:p>
             <a:fld id="{E1C1B178-CC15-49BC-9DD7-D11C28670564}" type="datetime1">
               <a:rPr lang="en-US" sz="800" smtClean="0"/>
-              <a:t>10/24/2014</a:t>
+              <a:t>10/29/2014</a:t>
             </a:fld>
             <a:endParaRPr lang="en-GB" sz="800" dirty="0"/>
           </a:p>
@@ -10264,14 +10272,14 @@
           <p:nvPr>
             <p:extLst>
               <p:ext uri="{D42A27DB-BD31-4B8C-83A1-F6EECF244321}">
-                <p14:modId xmlns:p14="http://schemas.microsoft.com/office/powerpoint/2010/main" val="4236525341"/>
+                <p14:modId xmlns:p14="http://schemas.microsoft.com/office/powerpoint/2010/main" val="2655536598"/>
               </p:ext>
             </p:extLst>
           </p:nvPr>
         </p:nvGraphicFramePr>
         <p:xfrm>
           <a:off x="411480" y="732327"/>
-          <a:ext cx="6035040" cy="2295353"/>
+          <a:ext cx="6035040" cy="2560320"/>
         </p:xfrm>
         <a:graphic>
           <a:graphicData uri="http://schemas.openxmlformats.org/drawingml/2006/table">
@@ -10281,11 +10289,11 @@
               </a:tblPr>
               <a:tblGrid>
                 <a:gridCol w="1508759"/>
-                <a:gridCol w="1589393"/>
-                <a:gridCol w="1373514"/>
-                <a:gridCol w="1563374"/>
+                <a:gridCol w="1391921"/>
+                <a:gridCol w="1889760"/>
+                <a:gridCol w="1244600"/>
               </a:tblGrid>
-              <a:tr h="335672">
+              <a:tr h="320040">
                 <a:tc>
                   <a:txBody>
                     <a:bodyPr/>
@@ -10428,277 +10436,6 @@
                     <a:bodyPr/>
                     <a:lstStyle/>
                     <a:p>
-                      <a:pPr algn="l"/>
-                      <a:r>
-                        <a:rPr lang="en-US" sz="1100" dirty="0" smtClean="0">
-                          <a:solidFill>
-                            <a:srgbClr val="00295B"/>
-                          </a:solidFill>
-                        </a:rPr>
-                        <a:t>Country: </a:t>
-                      </a:r>
-                      <a:endParaRPr lang="en-US" sz="1100" dirty="0">
-                        <a:solidFill>
-                          <a:srgbClr val="00295B"/>
-                        </a:solidFill>
-                      </a:endParaRPr>
-                    </a:p>
-                  </a:txBody>
-                  <a:tcPr marL="63238" marR="63238" marT="60896" marB="60896">
-                    <a:lnL w="12700" cap="flat" cmpd="sng" algn="ctr">
-                      <a:solidFill>
-                        <a:srgbClr val="98989C"/>
-                      </a:solidFill>
-                      <a:prstDash val="solid"/>
-                      <a:round/>
-                      <a:headEnd type="none" w="med" len="med"/>
-                      <a:tailEnd type="none" w="med" len="med"/>
-                    </a:lnL>
-                    <a:lnR w="12700" cap="flat" cmpd="sng" algn="ctr">
-                      <a:solidFill>
-                        <a:srgbClr val="98989C"/>
-                      </a:solidFill>
-                      <a:prstDash val="solid"/>
-                      <a:round/>
-                      <a:headEnd type="none" w="med" len="med"/>
-                      <a:tailEnd type="none" w="med" len="med"/>
-                    </a:lnR>
-                    <a:lnT w="12700" cap="flat" cmpd="sng" algn="ctr">
-                      <a:solidFill>
-                        <a:srgbClr val="98989C"/>
-                      </a:solidFill>
-                      <a:prstDash val="solid"/>
-                      <a:round/>
-                      <a:headEnd type="none" w="med" len="med"/>
-                      <a:tailEnd type="none" w="med" len="med"/>
-                    </a:lnT>
-                    <a:lnB w="12700" cap="flat" cmpd="sng" algn="ctr">
-                      <a:solidFill>
-                        <a:srgbClr val="98989C"/>
-                      </a:solidFill>
-                      <a:prstDash val="solid"/>
-                      <a:round/>
-                      <a:headEnd type="none" w="med" len="med"/>
-                      <a:tailEnd type="none" w="med" len="med"/>
-                    </a:lnB>
-                    <a:lnTlToBr w="12700" cmpd="sng">
-                      <a:noFill/>
-                      <a:prstDash val="solid"/>
-                    </a:lnTlToBr>
-                    <a:lnBlToTr w="12700" cmpd="sng">
-                      <a:noFill/>
-                      <a:prstDash val="solid"/>
-                    </a:lnBlToTr>
-                    <a:noFill/>
-                  </a:tcPr>
-                </a:tc>
-                <a:tc>
-                  <a:txBody>
-                    <a:bodyPr/>
-                    <a:lstStyle/>
-                    <a:p>
-                      <a:r>
-                        <a:rPr lang="en-US" sz="1100" b="0" dirty="0" smtClean="0">
-                          <a:solidFill>
-                            <a:srgbClr val="00295B"/>
-                          </a:solidFill>
-                        </a:rPr>
-                        <a:t>Country</a:t>
-                      </a:r>
-                    </a:p>
-                  </a:txBody>
-                  <a:tcPr marL="63238" marR="63238" marT="60896" marB="60896">
-                    <a:lnL w="12700" cap="flat" cmpd="sng" algn="ctr">
-                      <a:solidFill>
-                        <a:srgbClr val="98989C"/>
-                      </a:solidFill>
-                      <a:prstDash val="solid"/>
-                      <a:round/>
-                      <a:headEnd type="none" w="med" len="med"/>
-                      <a:tailEnd type="none" w="med" len="med"/>
-                    </a:lnL>
-                    <a:lnR w="12700" cap="flat" cmpd="sng" algn="ctr">
-                      <a:solidFill>
-                        <a:srgbClr val="98989C"/>
-                      </a:solidFill>
-                      <a:prstDash val="solid"/>
-                      <a:round/>
-                      <a:headEnd type="none" w="med" len="med"/>
-                      <a:tailEnd type="none" w="med" len="med"/>
-                    </a:lnR>
-                    <a:lnT w="12700" cap="flat" cmpd="sng" algn="ctr">
-                      <a:solidFill>
-                        <a:srgbClr val="98989C"/>
-                      </a:solidFill>
-                      <a:prstDash val="solid"/>
-                      <a:round/>
-                      <a:headEnd type="none" w="med" len="med"/>
-                      <a:tailEnd type="none" w="med" len="med"/>
-                    </a:lnT>
-                    <a:lnB w="12700" cap="flat" cmpd="sng" algn="ctr">
-                      <a:solidFill>
-                        <a:srgbClr val="98989C"/>
-                      </a:solidFill>
-                      <a:prstDash val="solid"/>
-                      <a:round/>
-                      <a:headEnd type="none" w="med" len="med"/>
-                      <a:tailEnd type="none" w="med" len="med"/>
-                    </a:lnB>
-                    <a:lnTlToBr w="12700" cmpd="sng">
-                      <a:noFill/>
-                      <a:prstDash val="solid"/>
-                    </a:lnTlToBr>
-                    <a:lnBlToTr w="12700" cmpd="sng">
-                      <a:noFill/>
-                      <a:prstDash val="solid"/>
-                    </a:lnBlToTr>
-                    <a:noFill/>
-                  </a:tcPr>
-                </a:tc>
-              </a:tr>
-              <a:tr h="312094">
-                <a:tc>
-                  <a:txBody>
-                    <a:bodyPr/>
-                    <a:lstStyle/>
-                    <a:p>
-                      <a:pPr algn="l"/>
-                      <a:r>
-                        <a:rPr lang="en-US" sz="1100" b="1" dirty="0" smtClean="0">
-                          <a:solidFill>
-                            <a:srgbClr val="00295B"/>
-                          </a:solidFill>
-                        </a:rPr>
-                        <a:t>Industry: </a:t>
-                      </a:r>
-                      <a:endParaRPr lang="en-US" sz="1100" b="1" dirty="0">
-                        <a:solidFill>
-                          <a:srgbClr val="00295B"/>
-                        </a:solidFill>
-                      </a:endParaRPr>
-                    </a:p>
-                  </a:txBody>
-                  <a:tcPr marL="63238" marR="63238" marT="60896" marB="60896">
-                    <a:lnL w="12700" cap="flat" cmpd="sng" algn="ctr">
-                      <a:solidFill>
-                        <a:srgbClr val="98989C"/>
-                      </a:solidFill>
-                      <a:prstDash val="solid"/>
-                      <a:round/>
-                      <a:headEnd type="none" w="med" len="med"/>
-                      <a:tailEnd type="none" w="med" len="med"/>
-                    </a:lnL>
-                    <a:lnR w="12700" cap="flat" cmpd="sng" algn="ctr">
-                      <a:solidFill>
-                        <a:srgbClr val="98989C"/>
-                      </a:solidFill>
-                      <a:prstDash val="solid"/>
-                      <a:round/>
-                      <a:headEnd type="none" w="med" len="med"/>
-                      <a:tailEnd type="none" w="med" len="med"/>
-                    </a:lnR>
-                    <a:lnT w="12700" cap="flat" cmpd="sng" algn="ctr">
-                      <a:solidFill>
-                        <a:srgbClr val="98989C"/>
-                      </a:solidFill>
-                      <a:prstDash val="solid"/>
-                      <a:round/>
-                      <a:headEnd type="none" w="med" len="med"/>
-                      <a:tailEnd type="none" w="med" len="med"/>
-                    </a:lnT>
-                    <a:lnB w="12700" cap="flat" cmpd="sng" algn="ctr">
-                      <a:solidFill>
-                        <a:srgbClr val="98989C"/>
-                      </a:solidFill>
-                      <a:prstDash val="solid"/>
-                      <a:round/>
-                      <a:headEnd type="none" w="med" len="med"/>
-                      <a:tailEnd type="none" w="med" len="med"/>
-                    </a:lnB>
-                    <a:lnTlToBr w="12700" cmpd="sng">
-                      <a:noFill/>
-                      <a:prstDash val="solid"/>
-                    </a:lnTlToBr>
-                    <a:lnBlToTr w="12700" cmpd="sng">
-                      <a:noFill/>
-                      <a:prstDash val="solid"/>
-                    </a:lnBlToTr>
-                    <a:noFill/>
-                  </a:tcPr>
-                </a:tc>
-                <a:tc>
-                  <a:txBody>
-                    <a:bodyPr/>
-                    <a:lstStyle/>
-                    <a:p>
-                      <a:r>
-                        <a:rPr lang="en-US" sz="1100" dirty="0" smtClean="0">
-                          <a:solidFill>
-                            <a:srgbClr val="00295B"/>
-                          </a:solidFill>
-                        </a:rPr>
-                        <a:t>Industry</a:t>
-                      </a:r>
-                      <a:endParaRPr lang="en-US" sz="1100" dirty="0">
-                        <a:solidFill>
-                          <a:srgbClr val="00295B"/>
-                        </a:solidFill>
-                      </a:endParaRPr>
-                    </a:p>
-                  </a:txBody>
-                  <a:tcPr marL="63238" marR="63238" marT="60896" marB="60896">
-                    <a:lnL w="12700" cap="flat" cmpd="sng" algn="ctr">
-                      <a:solidFill>
-                        <a:srgbClr val="98989C"/>
-                      </a:solidFill>
-                      <a:prstDash val="solid"/>
-                      <a:round/>
-                      <a:headEnd type="none" w="med" len="med"/>
-                      <a:tailEnd type="none" w="med" len="med"/>
-                    </a:lnL>
-                    <a:lnR w="12700" cap="flat" cmpd="sng" algn="ctr">
-                      <a:solidFill>
-                        <a:srgbClr val="98989C"/>
-                      </a:solidFill>
-                      <a:prstDash val="solid"/>
-                      <a:round/>
-                      <a:headEnd type="none" w="med" len="med"/>
-                      <a:tailEnd type="none" w="med" len="med"/>
-                    </a:lnR>
-                    <a:lnT w="12700" cap="flat" cmpd="sng" algn="ctr">
-                      <a:solidFill>
-                        <a:srgbClr val="98989C"/>
-                      </a:solidFill>
-                      <a:prstDash val="solid"/>
-                      <a:round/>
-                      <a:headEnd type="none" w="med" len="med"/>
-                      <a:tailEnd type="none" w="med" len="med"/>
-                    </a:lnT>
-                    <a:lnB w="12700" cap="flat" cmpd="sng" algn="ctr">
-                      <a:solidFill>
-                        <a:srgbClr val="98989C"/>
-                      </a:solidFill>
-                      <a:prstDash val="solid"/>
-                      <a:round/>
-                      <a:headEnd type="none" w="med" len="med"/>
-                      <a:tailEnd type="none" w="med" len="med"/>
-                    </a:lnB>
-                    <a:lnTlToBr w="12700" cmpd="sng">
-                      <a:noFill/>
-                      <a:prstDash val="solid"/>
-                    </a:lnTlToBr>
-                    <a:lnBlToTr w="12700" cmpd="sng">
-                      <a:noFill/>
-                      <a:prstDash val="solid"/>
-                    </a:lnBlToTr>
-                    <a:noFill/>
-                  </a:tcPr>
-                </a:tc>
-                <a:tc>
-                  <a:txBody>
-                    <a:bodyPr/>
-                    <a:lstStyle/>
-                    <a:p>
                       <a:r>
                         <a:rPr lang="en-US" sz="1100" b="1" dirty="0" smtClean="0">
                           <a:solidFill>
@@ -10768,14 +10505,14 @@
                     <a:lstStyle/>
                     <a:p>
                       <a:r>
-                        <a:rPr lang="en-US" sz="1100" dirty="0" err="1" smtClean="0">
+                        <a:rPr lang="en-US" sz="1100" b="0" dirty="0" err="1" smtClean="0">
                           <a:solidFill>
                             <a:srgbClr val="00295B"/>
                           </a:solidFill>
                         </a:rPr>
-                        <a:t>Currholdings</a:t>
+                        <a:t>currholdings</a:t>
                       </a:r>
-                      <a:endParaRPr lang="en-US" sz="1100" dirty="0">
+                      <a:endParaRPr lang="en-US" sz="1100" b="0" dirty="0" smtClean="0">
                         <a:solidFill>
                           <a:srgbClr val="00295B"/>
                         </a:solidFill>
@@ -10831,7 +10568,7 @@
                   </a:tcPr>
                 </a:tc>
               </a:tr>
-              <a:tr h="335672">
+              <a:tr h="320040">
                 <a:tc>
                   <a:txBody>
                     <a:bodyPr/>
@@ -10844,7 +10581,7 @@
                             <a:srgbClr val="00295B"/>
                           </a:solidFill>
                         </a:rPr>
-                        <a:t>Market Cap: </a:t>
+                        <a:t>Country: </a:t>
                       </a:r>
                       <a:endParaRPr lang="en-US" sz="1100" b="1" dirty="0">
                         <a:solidFill>
@@ -10907,12 +10644,12 @@
                     <a:lstStyle/>
                     <a:p>
                       <a:r>
-                        <a:rPr lang="en-US" sz="1100" dirty="0" err="1" smtClean="0">
+                        <a:rPr lang="en-US" sz="1100" dirty="0" smtClean="0">
                           <a:solidFill>
                             <a:srgbClr val="00295B"/>
                           </a:solidFill>
                         </a:rPr>
-                        <a:t>Mktcap</a:t>
+                        <a:t>country</a:t>
                       </a:r>
                       <a:endParaRPr lang="en-US" sz="1100" dirty="0">
                         <a:solidFill>
@@ -11048,7 +10785,7 @@
                             <a:srgbClr val="00295B"/>
                           </a:solidFill>
                         </a:rPr>
-                        <a:t>Nav</a:t>
+                        <a:t>nav</a:t>
                       </a:r>
                       <a:endParaRPr lang="en-US" sz="1100" dirty="0">
                         <a:solidFill>
@@ -11106,7 +10843,7 @@
                   </a:tcPr>
                 </a:tc>
               </a:tr>
-              <a:tr h="335672">
+              <a:tr h="320040">
                 <a:tc>
                   <a:txBody>
                     <a:bodyPr/>
@@ -11119,15 +10856,7 @@
                             <a:srgbClr val="00295B"/>
                           </a:solidFill>
                         </a:rPr>
-                        <a:t>Current price:</a:t>
-                      </a:r>
-                      <a:r>
-                        <a:rPr lang="en-US" sz="1100" b="1" baseline="0" dirty="0" smtClean="0">
-                          <a:solidFill>
-                            <a:srgbClr val="00295B"/>
-                          </a:solidFill>
-                        </a:rPr>
-                        <a:t> </a:t>
+                        <a:t>Industry: </a:t>
                       </a:r>
                       <a:endParaRPr lang="en-US" sz="1100" b="1" dirty="0">
                         <a:solidFill>
@@ -11195,7 +10924,7 @@
                             <a:srgbClr val="00295B"/>
                           </a:solidFill>
                         </a:rPr>
-                        <a:t>Price</a:t>
+                        <a:t>industry</a:t>
                       </a:r>
                       <a:endParaRPr lang="en-US" sz="1100" dirty="0">
                         <a:solidFill>
@@ -11326,12 +11055,12 @@
                     <a:lstStyle/>
                     <a:p>
                       <a:r>
-                        <a:rPr lang="en-US" sz="1100" dirty="0" smtClean="0">
+                        <a:rPr lang="en-US" sz="1100" dirty="0" err="1" smtClean="0">
                           <a:solidFill>
                             <a:srgbClr val="00295B"/>
                           </a:solidFill>
                         </a:rPr>
-                        <a:t>Weight</a:t>
+                        <a:t>Bmweight</a:t>
                       </a:r>
                       <a:endParaRPr lang="en-US" sz="1100" dirty="0">
                         <a:solidFill>
@@ -11389,7 +11118,7 @@
                   </a:tcPr>
                 </a:tc>
               </a:tr>
-              <a:tr h="335672">
+              <a:tr h="320040">
                 <a:tc>
                   <a:txBody>
                     <a:bodyPr/>
@@ -11402,7 +11131,7 @@
                             <a:srgbClr val="00295B"/>
                           </a:solidFill>
                         </a:rPr>
-                        <a:t>FV Calculation: </a:t>
+                        <a:t>Market Cap: </a:t>
                       </a:r>
                       <a:endParaRPr lang="en-US" sz="1100" b="1" dirty="0">
                         <a:solidFill>
@@ -11470,7 +11199,7 @@
                             <a:srgbClr val="00295B"/>
                           </a:solidFill>
                         </a:rPr>
-                        <a:t>Fvcalc</a:t>
+                        <a:t>marketcap</a:t>
                       </a:r>
                       <a:endParaRPr lang="en-US" sz="1100" dirty="0">
                         <a:solidFill>
@@ -11616,7 +11345,7 @@
                         </a:rPr>
                         <a:t>activeweight</a:t>
                       </a:r>
-                      <a:endParaRPr lang="en-US" sz="1100" dirty="0" smtClean="0">
+                      <a:endParaRPr lang="en-US" sz="1100" dirty="0">
                         <a:solidFill>
                           <a:srgbClr val="00295B"/>
                         </a:solidFill>
@@ -11672,7 +11401,608 @@
                   </a:tcPr>
                 </a:tc>
               </a:tr>
-              <a:tr h="335672">
+              <a:tr h="320040">
+                <a:tc>
+                  <a:txBody>
+                    <a:bodyPr/>
+                    <a:lstStyle/>
+                    <a:p>
+                      <a:pPr algn="l"/>
+                      <a:r>
+                        <a:rPr lang="en-US" sz="1100" b="1" dirty="0" smtClean="0">
+                          <a:solidFill>
+                            <a:srgbClr val="00295B"/>
+                          </a:solidFill>
+                        </a:rPr>
+                        <a:t>Current price:</a:t>
+                      </a:r>
+                      <a:r>
+                        <a:rPr lang="en-US" sz="1100" b="1" baseline="0" dirty="0" smtClean="0">
+                          <a:solidFill>
+                            <a:srgbClr val="00295B"/>
+                          </a:solidFill>
+                        </a:rPr>
+                        <a:t> </a:t>
+                      </a:r>
+                      <a:endParaRPr lang="en-US" sz="1100" b="1" dirty="0">
+                        <a:solidFill>
+                          <a:srgbClr val="00295B"/>
+                        </a:solidFill>
+                      </a:endParaRPr>
+                    </a:p>
+                  </a:txBody>
+                  <a:tcPr marL="63238" marR="63238" marT="60896" marB="60896">
+                    <a:lnL w="12700" cap="flat" cmpd="sng" algn="ctr">
+                      <a:solidFill>
+                        <a:srgbClr val="98989C"/>
+                      </a:solidFill>
+                      <a:prstDash val="solid"/>
+                      <a:round/>
+                      <a:headEnd type="none" w="med" len="med"/>
+                      <a:tailEnd type="none" w="med" len="med"/>
+                    </a:lnL>
+                    <a:lnR w="12700" cap="flat" cmpd="sng" algn="ctr">
+                      <a:solidFill>
+                        <a:srgbClr val="98989C"/>
+                      </a:solidFill>
+                      <a:prstDash val="solid"/>
+                      <a:round/>
+                      <a:headEnd type="none" w="med" len="med"/>
+                      <a:tailEnd type="none" w="med" len="med"/>
+                    </a:lnR>
+                    <a:lnT w="12700" cap="flat" cmpd="sng" algn="ctr">
+                      <a:solidFill>
+                        <a:srgbClr val="98989C"/>
+                      </a:solidFill>
+                      <a:prstDash val="solid"/>
+                      <a:round/>
+                      <a:headEnd type="none" w="med" len="med"/>
+                      <a:tailEnd type="none" w="med" len="med"/>
+                    </a:lnT>
+                    <a:lnB w="12700" cap="flat" cmpd="sng" algn="ctr">
+                      <a:solidFill>
+                        <a:srgbClr val="98989C"/>
+                      </a:solidFill>
+                      <a:prstDash val="solid"/>
+                      <a:round/>
+                      <a:headEnd type="none" w="med" len="med"/>
+                      <a:tailEnd type="none" w="med" len="med"/>
+                    </a:lnB>
+                    <a:lnTlToBr w="12700" cmpd="sng">
+                      <a:noFill/>
+                      <a:prstDash val="solid"/>
+                    </a:lnTlToBr>
+                    <a:lnBlToTr w="12700" cmpd="sng">
+                      <a:noFill/>
+                      <a:prstDash val="solid"/>
+                    </a:lnBlToTr>
+                    <a:noFill/>
+                  </a:tcPr>
+                </a:tc>
+                <a:tc>
+                  <a:txBody>
+                    <a:bodyPr/>
+                    <a:lstStyle/>
+                    <a:p>
+                      <a:r>
+                        <a:rPr lang="en-US" sz="1100" dirty="0" err="1" smtClean="0">
+                          <a:solidFill>
+                            <a:srgbClr val="00295B"/>
+                          </a:solidFill>
+                        </a:rPr>
+                        <a:t>currprice</a:t>
+                      </a:r>
+                      <a:endParaRPr lang="en-US" sz="1100" dirty="0">
+                        <a:solidFill>
+                          <a:srgbClr val="00295B"/>
+                        </a:solidFill>
+                      </a:endParaRPr>
+                    </a:p>
+                  </a:txBody>
+                  <a:tcPr marL="63238" marR="63238" marT="60896" marB="60896">
+                    <a:lnL w="12700" cap="flat" cmpd="sng" algn="ctr">
+                      <a:solidFill>
+                        <a:srgbClr val="98989C"/>
+                      </a:solidFill>
+                      <a:prstDash val="solid"/>
+                      <a:round/>
+                      <a:headEnd type="none" w="med" len="med"/>
+                      <a:tailEnd type="none" w="med" len="med"/>
+                    </a:lnL>
+                    <a:lnR w="12700" cap="flat" cmpd="sng" algn="ctr">
+                      <a:solidFill>
+                        <a:srgbClr val="98989C"/>
+                      </a:solidFill>
+                      <a:prstDash val="solid"/>
+                      <a:round/>
+                      <a:headEnd type="none" w="med" len="med"/>
+                      <a:tailEnd type="none" w="med" len="med"/>
+                    </a:lnR>
+                    <a:lnT w="12700" cap="flat" cmpd="sng" algn="ctr">
+                      <a:solidFill>
+                        <a:srgbClr val="98989C"/>
+                      </a:solidFill>
+                      <a:prstDash val="solid"/>
+                      <a:round/>
+                      <a:headEnd type="none" w="med" len="med"/>
+                      <a:tailEnd type="none" w="med" len="med"/>
+                    </a:lnT>
+                    <a:lnB w="12700" cap="flat" cmpd="sng" algn="ctr">
+                      <a:solidFill>
+                        <a:srgbClr val="98989C"/>
+                      </a:solidFill>
+                      <a:prstDash val="solid"/>
+                      <a:round/>
+                      <a:headEnd type="none" w="med" len="med"/>
+                      <a:tailEnd type="none" w="med" len="med"/>
+                    </a:lnB>
+                    <a:lnTlToBr w="12700" cmpd="sng">
+                      <a:noFill/>
+                      <a:prstDash val="solid"/>
+                    </a:lnTlToBr>
+                    <a:lnBlToTr w="12700" cmpd="sng">
+                      <a:noFill/>
+                      <a:prstDash val="solid"/>
+                    </a:lnBlToTr>
+                    <a:noFill/>
+                  </a:tcPr>
+                </a:tc>
+                <a:tc>
+                  <a:txBody>
+                    <a:bodyPr/>
+                    <a:lstStyle/>
+                    <a:p>
+                      <a:r>
+                        <a:rPr lang="en-US" sz="1100" b="1" dirty="0" smtClean="0">
+                          <a:solidFill>
+                            <a:srgbClr val="00295B"/>
+                          </a:solidFill>
+                        </a:rPr>
+                        <a:t>12m</a:t>
+                      </a:r>
+                      <a:r>
+                        <a:rPr lang="en-US" sz="1100" b="1" baseline="0" dirty="0" smtClean="0">
+                          <a:solidFill>
+                            <a:srgbClr val="00295B"/>
+                          </a:solidFill>
+                        </a:rPr>
+                        <a:t> Return – Absolute</a:t>
+                      </a:r>
+                      <a:r>
+                        <a:rPr lang="en-US" sz="1100" b="1" dirty="0" smtClean="0">
+                          <a:solidFill>
+                            <a:srgbClr val="00295B"/>
+                          </a:solidFill>
+                        </a:rPr>
+                        <a:t>: </a:t>
+                      </a:r>
+                      <a:endParaRPr lang="en-US" sz="1100" b="1" dirty="0">
+                        <a:solidFill>
+                          <a:srgbClr val="00295B"/>
+                        </a:solidFill>
+                      </a:endParaRPr>
+                    </a:p>
+                  </a:txBody>
+                  <a:tcPr marL="63238" marR="63238" marT="60896" marB="60896">
+                    <a:lnL w="12700" cap="flat" cmpd="sng" algn="ctr">
+                      <a:solidFill>
+                        <a:srgbClr val="98989C"/>
+                      </a:solidFill>
+                      <a:prstDash val="solid"/>
+                      <a:round/>
+                      <a:headEnd type="none" w="med" len="med"/>
+                      <a:tailEnd type="none" w="med" len="med"/>
+                    </a:lnL>
+                    <a:lnR w="12700" cap="flat" cmpd="sng" algn="ctr">
+                      <a:solidFill>
+                        <a:srgbClr val="98989C"/>
+                      </a:solidFill>
+                      <a:prstDash val="solid"/>
+                      <a:round/>
+                      <a:headEnd type="none" w="med" len="med"/>
+                      <a:tailEnd type="none" w="med" len="med"/>
+                    </a:lnR>
+                    <a:lnT w="12700" cap="flat" cmpd="sng" algn="ctr">
+                      <a:solidFill>
+                        <a:srgbClr val="98989C"/>
+                      </a:solidFill>
+                      <a:prstDash val="solid"/>
+                      <a:round/>
+                      <a:headEnd type="none" w="med" len="med"/>
+                      <a:tailEnd type="none" w="med" len="med"/>
+                    </a:lnT>
+                    <a:lnB w="12700" cap="flat" cmpd="sng" algn="ctr">
+                      <a:solidFill>
+                        <a:srgbClr val="98989C"/>
+                      </a:solidFill>
+                      <a:prstDash val="solid"/>
+                      <a:round/>
+                      <a:headEnd type="none" w="med" len="med"/>
+                      <a:tailEnd type="none" w="med" len="med"/>
+                    </a:lnB>
+                    <a:lnTlToBr w="12700" cmpd="sng">
+                      <a:noFill/>
+                      <a:prstDash val="solid"/>
+                    </a:lnTlToBr>
+                    <a:lnBlToTr w="12700" cmpd="sng">
+                      <a:noFill/>
+                      <a:prstDash val="solid"/>
+                    </a:lnBlToTr>
+                    <a:noFill/>
+                  </a:tcPr>
+                </a:tc>
+                <a:tc>
+                  <a:txBody>
+                    <a:bodyPr/>
+                    <a:lstStyle/>
+                    <a:p>
+                      <a:r>
+                        <a:rPr lang="en-US" sz="1100" dirty="0" smtClean="0">
+                          <a:solidFill>
+                            <a:srgbClr val="00295B"/>
+                          </a:solidFill>
+                        </a:rPr>
+                        <a:t>12mreturnabs</a:t>
+                      </a:r>
+                      <a:endParaRPr lang="en-US" sz="1100" dirty="0">
+                        <a:solidFill>
+                          <a:srgbClr val="00295B"/>
+                        </a:solidFill>
+                      </a:endParaRPr>
+                    </a:p>
+                  </a:txBody>
+                  <a:tcPr marL="63238" marR="63238" marT="60896" marB="60896">
+                    <a:lnL w="12700" cap="flat" cmpd="sng" algn="ctr">
+                      <a:solidFill>
+                        <a:srgbClr val="98989C"/>
+                      </a:solidFill>
+                      <a:prstDash val="solid"/>
+                      <a:round/>
+                      <a:headEnd type="none" w="med" len="med"/>
+                      <a:tailEnd type="none" w="med" len="med"/>
+                    </a:lnL>
+                    <a:lnR w="12700" cap="flat" cmpd="sng" algn="ctr">
+                      <a:solidFill>
+                        <a:srgbClr val="98989C"/>
+                      </a:solidFill>
+                      <a:prstDash val="solid"/>
+                      <a:round/>
+                      <a:headEnd type="none" w="med" len="med"/>
+                      <a:tailEnd type="none" w="med" len="med"/>
+                    </a:lnR>
+                    <a:lnT w="12700" cap="flat" cmpd="sng" algn="ctr">
+                      <a:solidFill>
+                        <a:srgbClr val="98989C"/>
+                      </a:solidFill>
+                      <a:prstDash val="solid"/>
+                      <a:round/>
+                      <a:headEnd type="none" w="med" len="med"/>
+                      <a:tailEnd type="none" w="med" len="med"/>
+                    </a:lnT>
+                    <a:lnB w="12700" cap="flat" cmpd="sng" algn="ctr">
+                      <a:solidFill>
+                        <a:srgbClr val="98989C"/>
+                      </a:solidFill>
+                      <a:prstDash val="solid"/>
+                      <a:round/>
+                      <a:headEnd type="none" w="med" len="med"/>
+                      <a:tailEnd type="none" w="med" len="med"/>
+                    </a:lnB>
+                    <a:lnTlToBr w="12700" cmpd="sng">
+                      <a:noFill/>
+                      <a:prstDash val="solid"/>
+                    </a:lnTlToBr>
+                    <a:lnBlToTr w="12700" cmpd="sng">
+                      <a:noFill/>
+                      <a:prstDash val="solid"/>
+                    </a:lnBlToTr>
+                    <a:noFill/>
+                  </a:tcPr>
+                </a:tc>
+              </a:tr>
+              <a:tr h="320040">
+                <a:tc>
+                  <a:txBody>
+                    <a:bodyPr/>
+                    <a:lstStyle/>
+                    <a:p>
+                      <a:pPr algn="l"/>
+                      <a:r>
+                        <a:rPr lang="en-US" sz="1100" b="1" dirty="0" smtClean="0">
+                          <a:solidFill>
+                            <a:srgbClr val="00295B"/>
+                          </a:solidFill>
+                        </a:rPr>
+                        <a:t>FV Calculation: </a:t>
+                      </a:r>
+                      <a:endParaRPr lang="en-US" sz="1100" b="1" dirty="0">
+                        <a:solidFill>
+                          <a:srgbClr val="00295B"/>
+                        </a:solidFill>
+                      </a:endParaRPr>
+                    </a:p>
+                  </a:txBody>
+                  <a:tcPr marL="63238" marR="63238" marT="60896" marB="60896">
+                    <a:lnL w="12700" cap="flat" cmpd="sng" algn="ctr">
+                      <a:solidFill>
+                        <a:srgbClr val="98989C"/>
+                      </a:solidFill>
+                      <a:prstDash val="solid"/>
+                      <a:round/>
+                      <a:headEnd type="none" w="med" len="med"/>
+                      <a:tailEnd type="none" w="med" len="med"/>
+                    </a:lnL>
+                    <a:lnR w="12700" cap="flat" cmpd="sng" algn="ctr">
+                      <a:solidFill>
+                        <a:srgbClr val="98989C"/>
+                      </a:solidFill>
+                      <a:prstDash val="solid"/>
+                      <a:round/>
+                      <a:headEnd type="none" w="med" len="med"/>
+                      <a:tailEnd type="none" w="med" len="med"/>
+                    </a:lnR>
+                    <a:lnT w="12700" cap="flat" cmpd="sng" algn="ctr">
+                      <a:solidFill>
+                        <a:srgbClr val="98989C"/>
+                      </a:solidFill>
+                      <a:prstDash val="solid"/>
+                      <a:round/>
+                      <a:headEnd type="none" w="med" len="med"/>
+                      <a:tailEnd type="none" w="med" len="med"/>
+                    </a:lnT>
+                    <a:lnB w="12700" cap="flat" cmpd="sng" algn="ctr">
+                      <a:solidFill>
+                        <a:srgbClr val="98989C"/>
+                      </a:solidFill>
+                      <a:prstDash val="solid"/>
+                      <a:round/>
+                      <a:headEnd type="none" w="med" len="med"/>
+                      <a:tailEnd type="none" w="med" len="med"/>
+                    </a:lnB>
+                    <a:lnTlToBr w="12700" cmpd="sng">
+                      <a:noFill/>
+                      <a:prstDash val="solid"/>
+                    </a:lnTlToBr>
+                    <a:lnBlToTr w="12700" cmpd="sng">
+                      <a:noFill/>
+                      <a:prstDash val="solid"/>
+                    </a:lnBlToTr>
+                    <a:noFill/>
+                  </a:tcPr>
+                </a:tc>
+                <a:tc>
+                  <a:txBody>
+                    <a:bodyPr/>
+                    <a:lstStyle/>
+                    <a:p>
+                      <a:r>
+                        <a:rPr lang="en-US" sz="1100" dirty="0" err="1" smtClean="0">
+                          <a:solidFill>
+                            <a:srgbClr val="00295B"/>
+                          </a:solidFill>
+                        </a:rPr>
+                        <a:t>FVCalc</a:t>
+                      </a:r>
+                      <a:endParaRPr lang="en-US" sz="1100" dirty="0">
+                        <a:solidFill>
+                          <a:srgbClr val="00295B"/>
+                        </a:solidFill>
+                      </a:endParaRPr>
+                    </a:p>
+                  </a:txBody>
+                  <a:tcPr marL="63238" marR="63238" marT="60896" marB="60896">
+                    <a:lnL w="12700" cap="flat" cmpd="sng" algn="ctr">
+                      <a:solidFill>
+                        <a:srgbClr val="98989C"/>
+                      </a:solidFill>
+                      <a:prstDash val="solid"/>
+                      <a:round/>
+                      <a:headEnd type="none" w="med" len="med"/>
+                      <a:tailEnd type="none" w="med" len="med"/>
+                    </a:lnL>
+                    <a:lnR w="12700" cap="flat" cmpd="sng" algn="ctr">
+                      <a:solidFill>
+                        <a:srgbClr val="98989C"/>
+                      </a:solidFill>
+                      <a:prstDash val="solid"/>
+                      <a:round/>
+                      <a:headEnd type="none" w="med" len="med"/>
+                      <a:tailEnd type="none" w="med" len="med"/>
+                    </a:lnR>
+                    <a:lnT w="12700" cap="flat" cmpd="sng" algn="ctr">
+                      <a:solidFill>
+                        <a:srgbClr val="98989C"/>
+                      </a:solidFill>
+                      <a:prstDash val="solid"/>
+                      <a:round/>
+                      <a:headEnd type="none" w="med" len="med"/>
+                      <a:tailEnd type="none" w="med" len="med"/>
+                    </a:lnT>
+                    <a:lnB w="12700" cap="flat" cmpd="sng" algn="ctr">
+                      <a:solidFill>
+                        <a:srgbClr val="98989C"/>
+                      </a:solidFill>
+                      <a:prstDash val="solid"/>
+                      <a:round/>
+                      <a:headEnd type="none" w="med" len="med"/>
+                      <a:tailEnd type="none" w="med" len="med"/>
+                    </a:lnB>
+                    <a:lnTlToBr w="12700" cmpd="sng">
+                      <a:noFill/>
+                      <a:prstDash val="solid"/>
+                    </a:lnTlToBr>
+                    <a:lnBlToTr w="12700" cmpd="sng">
+                      <a:noFill/>
+                      <a:prstDash val="solid"/>
+                    </a:lnBlToTr>
+                    <a:noFill/>
+                  </a:tcPr>
+                </a:tc>
+                <a:tc>
+                  <a:txBody>
+                    <a:bodyPr/>
+                    <a:lstStyle/>
+                    <a:p>
+                      <a:r>
+                        <a:rPr lang="en-US" sz="1100" b="1" dirty="0" smtClean="0">
+                          <a:solidFill>
+                            <a:srgbClr val="00295B"/>
+                          </a:solidFill>
+                        </a:rPr>
+                        <a:t>12m</a:t>
+                      </a:r>
+                      <a:r>
+                        <a:rPr lang="en-US" sz="1100" b="1" baseline="0" dirty="0" smtClean="0">
+                          <a:solidFill>
+                            <a:srgbClr val="00295B"/>
+                          </a:solidFill>
+                        </a:rPr>
+                        <a:t> Return – </a:t>
+                      </a:r>
+                      <a:r>
+                        <a:rPr lang="en-US" sz="1100" b="1" baseline="0" dirty="0" err="1" smtClean="0">
+                          <a:solidFill>
+                            <a:srgbClr val="00295B"/>
+                          </a:solidFill>
+                        </a:rPr>
+                        <a:t>Rel</a:t>
+                      </a:r>
+                      <a:r>
+                        <a:rPr lang="en-US" sz="1100" b="1" baseline="0" dirty="0" smtClean="0">
+                          <a:solidFill>
+                            <a:srgbClr val="00295B"/>
+                          </a:solidFill>
+                        </a:rPr>
+                        <a:t> to local</a:t>
+                      </a:r>
+                      <a:r>
+                        <a:rPr lang="en-US" sz="1100" b="1" dirty="0" smtClean="0">
+                          <a:solidFill>
+                            <a:srgbClr val="00295B"/>
+                          </a:solidFill>
+                        </a:rPr>
+                        <a:t>: </a:t>
+                      </a:r>
+                      <a:endParaRPr lang="en-US" sz="1100" b="1" dirty="0">
+                        <a:solidFill>
+                          <a:srgbClr val="00295B"/>
+                        </a:solidFill>
+                      </a:endParaRPr>
+                    </a:p>
+                  </a:txBody>
+                  <a:tcPr marL="63238" marR="63238" marT="60896" marB="60896">
+                    <a:lnL w="12700" cap="flat" cmpd="sng" algn="ctr">
+                      <a:solidFill>
+                        <a:srgbClr val="98989C"/>
+                      </a:solidFill>
+                      <a:prstDash val="solid"/>
+                      <a:round/>
+                      <a:headEnd type="none" w="med" len="med"/>
+                      <a:tailEnd type="none" w="med" len="med"/>
+                    </a:lnL>
+                    <a:lnR w="12700" cap="flat" cmpd="sng" algn="ctr">
+                      <a:solidFill>
+                        <a:srgbClr val="98989C"/>
+                      </a:solidFill>
+                      <a:prstDash val="solid"/>
+                      <a:round/>
+                      <a:headEnd type="none" w="med" len="med"/>
+                      <a:tailEnd type="none" w="med" len="med"/>
+                    </a:lnR>
+                    <a:lnT w="12700" cap="flat" cmpd="sng" algn="ctr">
+                      <a:solidFill>
+                        <a:srgbClr val="98989C"/>
+                      </a:solidFill>
+                      <a:prstDash val="solid"/>
+                      <a:round/>
+                      <a:headEnd type="none" w="med" len="med"/>
+                      <a:tailEnd type="none" w="med" len="med"/>
+                    </a:lnT>
+                    <a:lnB w="12700" cap="flat" cmpd="sng" algn="ctr">
+                      <a:solidFill>
+                        <a:srgbClr val="98989C"/>
+                      </a:solidFill>
+                      <a:prstDash val="solid"/>
+                      <a:round/>
+                      <a:headEnd type="none" w="med" len="med"/>
+                      <a:tailEnd type="none" w="med" len="med"/>
+                    </a:lnB>
+                    <a:lnTlToBr w="12700" cmpd="sng">
+                      <a:noFill/>
+                      <a:prstDash val="solid"/>
+                    </a:lnTlToBr>
+                    <a:lnBlToTr w="12700" cmpd="sng">
+                      <a:noFill/>
+                      <a:prstDash val="solid"/>
+                    </a:lnBlToTr>
+                    <a:noFill/>
+                  </a:tcPr>
+                </a:tc>
+                <a:tc>
+                  <a:txBody>
+                    <a:bodyPr/>
+                    <a:lstStyle/>
+                    <a:p>
+                      <a:r>
+                        <a:rPr lang="en-US" sz="1100" dirty="0" smtClean="0">
+                          <a:solidFill>
+                            <a:srgbClr val="00295B"/>
+                          </a:solidFill>
+                        </a:rPr>
+                        <a:t>12mretrellocal</a:t>
+                      </a:r>
+                    </a:p>
+                  </a:txBody>
+                  <a:tcPr marL="63238" marR="63238" marT="60896" marB="60896">
+                    <a:lnL w="12700" cap="flat" cmpd="sng" algn="ctr">
+                      <a:solidFill>
+                        <a:srgbClr val="98989C"/>
+                      </a:solidFill>
+                      <a:prstDash val="solid"/>
+                      <a:round/>
+                      <a:headEnd type="none" w="med" len="med"/>
+                      <a:tailEnd type="none" w="med" len="med"/>
+                    </a:lnL>
+                    <a:lnR w="12700" cap="flat" cmpd="sng" algn="ctr">
+                      <a:solidFill>
+                        <a:srgbClr val="98989C"/>
+                      </a:solidFill>
+                      <a:prstDash val="solid"/>
+                      <a:round/>
+                      <a:headEnd type="none" w="med" len="med"/>
+                      <a:tailEnd type="none" w="med" len="med"/>
+                    </a:lnR>
+                    <a:lnT w="12700" cap="flat" cmpd="sng" algn="ctr">
+                      <a:solidFill>
+                        <a:srgbClr val="98989C"/>
+                      </a:solidFill>
+                      <a:prstDash val="solid"/>
+                      <a:round/>
+                      <a:headEnd type="none" w="med" len="med"/>
+                      <a:tailEnd type="none" w="med" len="med"/>
+                    </a:lnT>
+                    <a:lnB w="12700" cap="flat" cmpd="sng" algn="ctr">
+                      <a:solidFill>
+                        <a:srgbClr val="98989C"/>
+                      </a:solidFill>
+                      <a:prstDash val="solid"/>
+                      <a:round/>
+                      <a:headEnd type="none" w="med" len="med"/>
+                      <a:tailEnd type="none" w="med" len="med"/>
+                    </a:lnB>
+                    <a:lnTlToBr w="12700" cmpd="sng">
+                      <a:noFill/>
+                      <a:prstDash val="solid"/>
+                    </a:lnTlToBr>
+                    <a:lnBlToTr w="12700" cmpd="sng">
+                      <a:noFill/>
+                      <a:prstDash val="solid"/>
+                    </a:lnBlToTr>
+                    <a:noFill/>
+                  </a:tcPr>
+                </a:tc>
+              </a:tr>
+              <a:tr h="320040">
                 <a:tc>
                   <a:txBody>
                     <a:bodyPr/>
@@ -11753,7 +12083,7 @@
                             <a:srgbClr val="00295B"/>
                           </a:solidFill>
                         </a:rPr>
-                        <a:t>Currval</a:t>
+                        <a:t>Currvalue</a:t>
                       </a:r>
                       <a:endParaRPr lang="en-US" sz="1100" dirty="0">
                         <a:solidFill>
@@ -11815,6 +12145,46 @@
                     <a:bodyPr/>
                     <a:lstStyle/>
                     <a:p>
+                      <a:r>
+                        <a:rPr lang="en-US" sz="1100" b="1" dirty="0" smtClean="0">
+                          <a:solidFill>
+                            <a:srgbClr val="00295B"/>
+                          </a:solidFill>
+                        </a:rPr>
+                        <a:t>12m</a:t>
+                      </a:r>
+                      <a:r>
+                        <a:rPr lang="en-US" sz="1100" b="1" baseline="0" dirty="0" smtClean="0">
+                          <a:solidFill>
+                            <a:srgbClr val="00295B"/>
+                          </a:solidFill>
+                        </a:rPr>
+                        <a:t> Return – </a:t>
+                      </a:r>
+                      <a:r>
+                        <a:rPr lang="en-US" sz="1100" b="1" baseline="0" dirty="0" err="1" smtClean="0">
+                          <a:solidFill>
+                            <a:srgbClr val="00295B"/>
+                          </a:solidFill>
+                        </a:rPr>
+                        <a:t>Rel</a:t>
+                      </a:r>
+                      <a:r>
+                        <a:rPr lang="en-US" sz="1100" b="1" baseline="0" dirty="0" smtClean="0">
+                          <a:solidFill>
+                            <a:srgbClr val="00295B"/>
+                          </a:solidFill>
+                        </a:rPr>
+                        <a:t> to EM:</a:t>
+                      </a:r>
+                      <a:r>
+                        <a:rPr lang="en-US" sz="1100" b="1" dirty="0" smtClean="0">
+                          <a:solidFill>
+                            <a:srgbClr val="00295B"/>
+                          </a:solidFill>
+                        </a:rPr>
+                        <a:t> </a:t>
+                      </a:r>
                       <a:endParaRPr lang="en-US" sz="1100" b="1" dirty="0">
                         <a:solidFill>
                           <a:srgbClr val="00295B"/>
@@ -11875,6 +12245,14 @@
                     <a:bodyPr/>
                     <a:lstStyle/>
                     <a:p>
+                      <a:r>
+                        <a:rPr lang="en-US" sz="1100" smtClean="0">
+                          <a:solidFill>
+                            <a:srgbClr val="00295B"/>
+                          </a:solidFill>
+                        </a:rPr>
+                        <a:t>12mretrelem</a:t>
+                      </a:r>
                       <a:endParaRPr lang="en-US" sz="1100" dirty="0">
                         <a:solidFill>
                           <a:srgbClr val="00295B"/>
@@ -11931,7 +12309,7 @@
                   </a:tcPr>
                 </a:tc>
               </a:tr>
-              <a:tr h="304899">
+              <a:tr h="320040">
                 <a:tc>
                   <a:txBody>
                     <a:bodyPr/>
@@ -12146,6 +12524,14 @@
                     <a:bodyPr/>
                     <a:lstStyle/>
                     <a:p>
+                      <a:r>
+                        <a:rPr lang="en-US" sz="1100" smtClean="0">
+                          <a:solidFill>
+                            <a:srgbClr val="00295B"/>
+                          </a:solidFill>
+                        </a:rPr>
+                        <a:t>empty</a:t>
+                      </a:r>
                       <a:endParaRPr lang="en-US" sz="1100" dirty="0">
                         <a:solidFill>
                           <a:srgbClr val="00295B"/>
@@ -12215,13 +12601,13 @@
           <p:nvPr>
             <p:extLst>
               <p:ext uri="{D42A27DB-BD31-4B8C-83A1-F6EECF244321}">
-                <p14:modId xmlns:p14="http://schemas.microsoft.com/office/powerpoint/2010/main" val="2671435600"/>
+                <p14:modId xmlns:p14="http://schemas.microsoft.com/office/powerpoint/2010/main" val="2096289410"/>
               </p:ext>
             </p:extLst>
           </p:nvPr>
         </p:nvGraphicFramePr>
         <p:xfrm>
-          <a:off x="411479" y="3322320"/>
+          <a:off x="411479" y="3535680"/>
           <a:ext cx="5987123" cy="1877568"/>
         </p:xfrm>
         <a:graphic>
@@ -12431,8 +12817,8 @@
         </p:nvSpPr>
         <p:spPr>
           <a:xfrm>
-            <a:off x="605974" y="8402320"/>
-            <a:ext cx="5646053" cy="246221"/>
+            <a:off x="605974" y="8300720"/>
+            <a:ext cx="5646053" cy="261610"/>
           </a:xfrm>
           <a:prstGeom prst="rect">
             <a:avLst/>
@@ -12452,21 +12838,21 @@
           <a:p>
             <a:pPr algn="ctr"/>
             <a:r>
-              <a:rPr lang="en-US" sz="1000" b="0" dirty="0" smtClean="0">
+              <a:rPr lang="en-US" sz="1100" b="0" dirty="0" smtClean="0">
                 <a:latin typeface="Arial" pitchFamily="34" charset="0"/>
                 <a:cs typeface="Arial" pitchFamily="34" charset="0"/>
               </a:rPr>
               <a:t>Attachments:  broker report, </a:t>
             </a:r>
             <a:r>
-              <a:rPr lang="en-US" sz="1000" b="0" dirty="0" err="1" smtClean="0">
+              <a:rPr lang="en-US" sz="1100" b="0" dirty="0" err="1" smtClean="0">
                 <a:latin typeface="Arial" pitchFamily="34" charset="0"/>
                 <a:cs typeface="Arial" pitchFamily="34" charset="0"/>
               </a:rPr>
               <a:t>finstat</a:t>
             </a:r>
             <a:r>
-              <a:rPr lang="en-US" sz="1000" b="0" dirty="0" smtClean="0">
+              <a:rPr lang="en-US" sz="1100" b="0" dirty="0" smtClean="0">
                 <a:latin typeface="Arial" pitchFamily="34" charset="0"/>
                 <a:cs typeface="Arial" pitchFamily="34" charset="0"/>
               </a:rPr>
@@ -12571,7 +12957,7 @@
           <a:p>
             <a:fld id="{E1C1B178-CC15-49BC-9DD7-D11C28670564}" type="datetime1">
               <a:rPr lang="en-US" sz="800" smtClean="0"/>
-              <a:t>10/24/2014</a:t>
+              <a:t>10/29/2014</a:t>
             </a:fld>
             <a:endParaRPr lang="en-GB" sz="800" dirty="0"/>
           </a:p>

--- a/SourceCode/GreenField/GreenField.Web/Templates/Abbrev IC Report template.pptx
+++ b/SourceCode/GreenField/GreenField.Web/Templates/Abbrev IC Report template.pptx
@@ -318,7 +318,7 @@
             <a:fld id="{7BA49677-E515-4D80-9969-42B0962A10A0}" type="datetime1">
               <a:rPr lang="en-US"/>
               <a:pPr/>
-              <a:t>10/29/2014</a:t>
+              <a:t>11/14/2014</a:t>
             </a:fld>
             <a:endParaRPr lang="en-US"/>
           </a:p>
@@ -1362,7 +1362,7 @@
           <a:p>
             <a:fld id="{221F4587-3C4B-45A7-B26F-E61215212BD7}" type="datetime1">
               <a:rPr lang="en-US" smtClean="0"/>
-              <a:t>10/29/2014</a:t>
+              <a:t>11/14/2014</a:t>
             </a:fld>
             <a:endParaRPr lang="en-GB" dirty="0"/>
           </a:p>
@@ -1719,7 +1719,7 @@
           <a:p>
             <a:fld id="{5D4DDECE-779E-4403-BDF1-EC482D17F582}" type="datetime1">
               <a:rPr lang="en-US" smtClean="0"/>
-              <a:t>10/29/2014</a:t>
+              <a:t>11/14/2014</a:t>
             </a:fld>
             <a:endParaRPr lang="en-GB" dirty="0"/>
           </a:p>
@@ -2037,7 +2037,7 @@
           <a:p>
             <a:fld id="{DB5E7B97-3E05-4B55-BA90-6DF6A5CD8979}" type="datetime1">
               <a:rPr lang="en-US" smtClean="0"/>
-              <a:t>10/29/2014</a:t>
+              <a:t>11/14/2014</a:t>
             </a:fld>
             <a:endParaRPr lang="en-GB" dirty="0"/>
           </a:p>
@@ -2435,7 +2435,7 @@
           <a:p>
             <a:fld id="{4A55851F-C0CB-47F9-B3EA-A1782DCC4E66}" type="datetime1">
               <a:rPr lang="en-US" smtClean="0"/>
-              <a:t>10/29/2014</a:t>
+              <a:t>11/14/2014</a:t>
             </a:fld>
             <a:endParaRPr lang="en-GB" dirty="0"/>
           </a:p>
@@ -2833,7 +2833,7 @@
           <a:p>
             <a:fld id="{1462931B-2C99-41CD-8E87-9F5B01EB283C}" type="datetime1">
               <a:rPr lang="en-US" smtClean="0"/>
-              <a:t>10/29/2014</a:t>
+              <a:t>11/14/2014</a:t>
             </a:fld>
             <a:endParaRPr lang="en-GB" dirty="0"/>
           </a:p>
@@ -3157,7 +3157,7 @@
           <a:p>
             <a:fld id="{4FFB188F-A3DF-45DE-9366-DAFD81A4F846}" type="datetime1">
               <a:rPr lang="en-US" smtClean="0"/>
-              <a:t>10/29/2014</a:t>
+              <a:t>11/14/2014</a:t>
             </a:fld>
             <a:endParaRPr lang="en-GB" dirty="0"/>
           </a:p>
@@ -3481,7 +3481,7 @@
           <a:p>
             <a:fld id="{8CD432C1-BA4F-4DF9-B060-04EEA74AEB63}" type="datetime1">
               <a:rPr lang="en-US" smtClean="0"/>
-              <a:t>10/29/2014</a:t>
+              <a:t>11/14/2014</a:t>
             </a:fld>
             <a:endParaRPr lang="en-GB" dirty="0"/>
           </a:p>
@@ -3772,7 +3772,7 @@
           <a:p>
             <a:fld id="{9F3C91F2-FBB3-4742-8B5C-7E55D30FC346}" type="datetime1">
               <a:rPr lang="en-US" smtClean="0"/>
-              <a:t>10/29/2014</a:t>
+              <a:t>11/14/2014</a:t>
             </a:fld>
             <a:endParaRPr lang="en-GB" dirty="0"/>
           </a:p>
@@ -3989,7 +3989,7 @@
           <a:p>
             <a:fld id="{2E14C53F-BF27-4CA7-8275-1A34A7D51537}" type="datetime1">
               <a:rPr lang="en-US" smtClean="0"/>
-              <a:t>10/29/2014</a:t>
+              <a:t>11/14/2014</a:t>
             </a:fld>
             <a:endParaRPr lang="en-GB" dirty="0"/>
           </a:p>
@@ -4206,7 +4206,7 @@
           <a:p>
             <a:fld id="{9B619E48-0410-4C02-AFAC-073FDB2FBD47}" type="datetime1">
               <a:rPr lang="en-US" smtClean="0"/>
-              <a:t>10/29/2014</a:t>
+              <a:t>11/14/2014</a:t>
             </a:fld>
             <a:endParaRPr lang="en-GB" dirty="0"/>
           </a:p>
@@ -4377,7 +4377,7 @@
           <a:p>
             <a:fld id="{2B98A838-AA72-4594-ACAF-57868F9946A0}" type="datetime1">
               <a:rPr lang="en-US" smtClean="0"/>
-              <a:t>10/29/2014</a:t>
+              <a:t>11/14/2014</a:t>
             </a:fld>
             <a:endParaRPr lang="en-GB" dirty="0"/>
           </a:p>
@@ -4865,7 +4865,7 @@
           <a:p>
             <a:fld id="{D5235630-917D-47C5-A7FD-05EDE5C2EC97}" type="datetime1">
               <a:rPr lang="en-US" smtClean="0"/>
-              <a:t>10/29/2014</a:t>
+              <a:t>11/14/2014</a:t>
             </a:fld>
             <a:endParaRPr lang="en-GB" dirty="0"/>
           </a:p>
@@ -5014,7 +5014,7 @@
           <a:p>
             <a:fld id="{CF31C152-3035-461B-9FE9-A713524E711D}" type="datetime1">
               <a:rPr lang="en-US" smtClean="0"/>
-              <a:t>10/29/2014</a:t>
+              <a:t>11/14/2014</a:t>
             </a:fld>
             <a:endParaRPr lang="en-GB" dirty="0"/>
           </a:p>
@@ -5443,7 +5443,7 @@
           <a:p>
             <a:fld id="{044B89F7-7123-4CDC-B897-5FFC4B928E38}" type="datetime1">
               <a:rPr lang="en-US" smtClean="0"/>
-              <a:t>10/29/2014</a:t>
+              <a:t>11/14/2014</a:t>
             </a:fld>
             <a:endParaRPr lang="en-GB" dirty="0"/>
           </a:p>
@@ -5742,7 +5742,7 @@
           <a:p>
             <a:fld id="{FEE53783-98F3-4518-B0F1-483EEA357D14}" type="datetime1">
               <a:rPr lang="en-US" smtClean="0"/>
-              <a:t>10/29/2014</a:t>
+              <a:t>11/14/2014</a:t>
             </a:fld>
             <a:endParaRPr lang="en-GB" dirty="0"/>
           </a:p>
@@ -6074,7 +6074,7 @@
           <a:p>
             <a:fld id="{8E44F8FC-BFC5-45B3-BDBC-AB429CDAD8AB}" type="datetime1">
               <a:rPr lang="en-US" smtClean="0"/>
-              <a:t>10/29/2014</a:t>
+              <a:t>11/14/2014</a:t>
             </a:fld>
             <a:endParaRPr lang="en-GB" dirty="0"/>
           </a:p>
@@ -6513,7 +6513,7 @@
           <a:p>
             <a:fld id="{19F2D611-B658-40CB-A3C9-5636775BE6D3}" type="datetime1">
               <a:rPr lang="en-US" smtClean="0"/>
-              <a:t>10/29/2014</a:t>
+              <a:t>11/14/2014</a:t>
             </a:fld>
             <a:endParaRPr lang="en-GB" dirty="0"/>
           </a:p>
@@ -7071,7 +7071,7 @@
           <a:p>
             <a:fld id="{6F46AB46-B9E5-459F-8C87-534B33EF7994}" type="datetime1">
               <a:rPr lang="en-US" smtClean="0"/>
-              <a:t>10/29/2014</a:t>
+              <a:t>11/14/2014</a:t>
             </a:fld>
             <a:endParaRPr lang="en-GB" dirty="0"/>
           </a:p>
@@ -7275,7 +7275,7 @@
           <a:p>
             <a:fld id="{239014C9-6137-49EE-BD92-93CD75EA122E}" type="datetime1">
               <a:rPr lang="en-US" smtClean="0"/>
-              <a:t>10/29/2014</a:t>
+              <a:t>11/14/2014</a:t>
             </a:fld>
             <a:endParaRPr lang="en-GB" dirty="0"/>
           </a:p>
@@ -7479,7 +7479,7 @@
           <a:p>
             <a:fld id="{8F93730E-7C97-4F11-A885-A8A3179CDF9D}" type="datetime1">
               <a:rPr lang="en-US" smtClean="0"/>
-              <a:t>10/29/2014</a:t>
+              <a:t>11/14/2014</a:t>
             </a:fld>
             <a:endParaRPr lang="en-GB" dirty="0"/>
           </a:p>
@@ -7683,7 +7683,7 @@
           <a:p>
             <a:fld id="{A0CFCDFA-6933-4EAC-BEFF-5BC170CA4404}" type="datetime1">
               <a:rPr lang="en-US" smtClean="0"/>
-              <a:t>10/29/2014</a:t>
+              <a:t>11/14/2014</a:t>
             </a:fld>
             <a:endParaRPr lang="en-GB" dirty="0"/>
           </a:p>
@@ -7930,7 +7930,7 @@
           <a:p>
             <a:fld id="{CB6B008C-3601-43E4-B8C3-F11D36064B19}" type="datetime1">
               <a:rPr lang="en-US" smtClean="0"/>
-              <a:t>10/29/2014</a:t>
+              <a:t>11/14/2014</a:t>
             </a:fld>
             <a:endParaRPr lang="en-GB" dirty="0"/>
           </a:p>
@@ -8116,7 +8116,7 @@
           <a:p>
             <a:fld id="{A2A6D869-B416-4AD0-8C4F-183B93BDC3F2}" type="datetime1">
               <a:rPr lang="en-US" smtClean="0"/>
-              <a:t>10/29/2014</a:t>
+              <a:t>11/14/2014</a:t>
             </a:fld>
             <a:endParaRPr lang="en-GB" dirty="0"/>
           </a:p>
@@ -8285,7 +8285,7 @@
           <a:p>
             <a:fld id="{0EDA1953-F1C9-4687-9D65-25471E433FB8}" type="datetime1">
               <a:rPr lang="en-US" smtClean="0"/>
-              <a:t>10/29/2014</a:t>
+              <a:t>11/14/2014</a:t>
             </a:fld>
             <a:endParaRPr lang="en-GB" dirty="0"/>
           </a:p>
@@ -10257,7 +10257,7 @@
           <a:p>
             <a:fld id="{E1C1B178-CC15-49BC-9DD7-D11C28670564}" type="datetime1">
               <a:rPr lang="en-US" sz="800" smtClean="0"/>
-              <a:t>10/29/2014</a:t>
+              <a:t>11/14/2014</a:t>
             </a:fld>
             <a:endParaRPr lang="en-GB" sz="800" dirty="0"/>
           </a:p>
@@ -10272,7 +10272,7 @@
           <p:nvPr>
             <p:extLst>
               <p:ext uri="{D42A27DB-BD31-4B8C-83A1-F6EECF244321}">
-                <p14:modId xmlns:p14="http://schemas.microsoft.com/office/powerpoint/2010/main" val="2655536598"/>
+                <p14:modId xmlns:p14="http://schemas.microsoft.com/office/powerpoint/2010/main" val="2622703951"/>
               </p:ext>
             </p:extLst>
           </p:nvPr>
@@ -11708,12 +11708,28 @@
                     <a:p>
                       <a:pPr algn="l"/>
                       <a:r>
-                        <a:rPr lang="en-US" sz="1100" b="1" dirty="0" smtClean="0">
+                        <a:rPr lang="en-US" sz="1100" b="1" smtClean="0">
                           <a:solidFill>
                             <a:srgbClr val="00295B"/>
                           </a:solidFill>
                         </a:rPr>
-                        <a:t>FV Calculation: </a:t>
+                        <a:t>Existing</a:t>
+                      </a:r>
+                      <a:r>
+                        <a:rPr lang="en-US" sz="1100" b="1" baseline="0" smtClean="0">
+                          <a:solidFill>
+                            <a:srgbClr val="00295B"/>
+                          </a:solidFill>
+                        </a:rPr>
+                        <a:t> Range</a:t>
+                      </a:r>
+                      <a:r>
+                        <a:rPr lang="en-US" sz="1100" b="1" smtClean="0">
+                          <a:solidFill>
+                            <a:srgbClr val="00295B"/>
+                          </a:solidFill>
+                        </a:rPr>
+                        <a:t>: </a:t>
                       </a:r>
                       <a:endParaRPr lang="en-US" sz="1100" b="1" dirty="0">
                         <a:solidFill>
@@ -12957,7 +12973,7 @@
           <a:p>
             <a:fld id="{E1C1B178-CC15-49BC-9DD7-D11C28670564}" type="datetime1">
               <a:rPr lang="en-US" sz="800" smtClean="0"/>
-              <a:t>10/29/2014</a:t>
+              <a:t>11/14/2014</a:t>
             </a:fld>
             <a:endParaRPr lang="en-GB" sz="800" dirty="0"/>
           </a:p>

--- a/SourceCode/GreenField/GreenField.Web/Templates/Abbrev IC Report template.pptx
+++ b/SourceCode/GreenField/GreenField.Web/Templates/Abbrev IC Report template.pptx
@@ -318,7 +318,7 @@
             <a:fld id="{7BA49677-E515-4D80-9969-42B0962A10A0}" type="datetime1">
               <a:rPr lang="en-US"/>
               <a:pPr/>
-              <a:t>11/14/2014</a:t>
+              <a:t>11/21/2014</a:t>
             </a:fld>
             <a:endParaRPr lang="en-US"/>
           </a:p>
@@ -1362,7 +1362,7 @@
           <a:p>
             <a:fld id="{221F4587-3C4B-45A7-B26F-E61215212BD7}" type="datetime1">
               <a:rPr lang="en-US" smtClean="0"/>
-              <a:t>11/14/2014</a:t>
+              <a:t>11/21/2014</a:t>
             </a:fld>
             <a:endParaRPr lang="en-GB" dirty="0"/>
           </a:p>
@@ -1719,7 +1719,7 @@
           <a:p>
             <a:fld id="{5D4DDECE-779E-4403-BDF1-EC482D17F582}" type="datetime1">
               <a:rPr lang="en-US" smtClean="0"/>
-              <a:t>11/14/2014</a:t>
+              <a:t>11/21/2014</a:t>
             </a:fld>
             <a:endParaRPr lang="en-GB" dirty="0"/>
           </a:p>
@@ -2037,7 +2037,7 @@
           <a:p>
             <a:fld id="{DB5E7B97-3E05-4B55-BA90-6DF6A5CD8979}" type="datetime1">
               <a:rPr lang="en-US" smtClean="0"/>
-              <a:t>11/14/2014</a:t>
+              <a:t>11/21/2014</a:t>
             </a:fld>
             <a:endParaRPr lang="en-GB" dirty="0"/>
           </a:p>
@@ -2435,7 +2435,7 @@
           <a:p>
             <a:fld id="{4A55851F-C0CB-47F9-B3EA-A1782DCC4E66}" type="datetime1">
               <a:rPr lang="en-US" smtClean="0"/>
-              <a:t>11/14/2014</a:t>
+              <a:t>11/21/2014</a:t>
             </a:fld>
             <a:endParaRPr lang="en-GB" dirty="0"/>
           </a:p>
@@ -2833,7 +2833,7 @@
           <a:p>
             <a:fld id="{1462931B-2C99-41CD-8E87-9F5B01EB283C}" type="datetime1">
               <a:rPr lang="en-US" smtClean="0"/>
-              <a:t>11/14/2014</a:t>
+              <a:t>11/21/2014</a:t>
             </a:fld>
             <a:endParaRPr lang="en-GB" dirty="0"/>
           </a:p>
@@ -3157,7 +3157,7 @@
           <a:p>
             <a:fld id="{4FFB188F-A3DF-45DE-9366-DAFD81A4F846}" type="datetime1">
               <a:rPr lang="en-US" smtClean="0"/>
-              <a:t>11/14/2014</a:t>
+              <a:t>11/21/2014</a:t>
             </a:fld>
             <a:endParaRPr lang="en-GB" dirty="0"/>
           </a:p>
@@ -3481,7 +3481,7 @@
           <a:p>
             <a:fld id="{8CD432C1-BA4F-4DF9-B060-04EEA74AEB63}" type="datetime1">
               <a:rPr lang="en-US" smtClean="0"/>
-              <a:t>11/14/2014</a:t>
+              <a:t>11/21/2014</a:t>
             </a:fld>
             <a:endParaRPr lang="en-GB" dirty="0"/>
           </a:p>
@@ -3772,7 +3772,7 @@
           <a:p>
             <a:fld id="{9F3C91F2-FBB3-4742-8B5C-7E55D30FC346}" type="datetime1">
               <a:rPr lang="en-US" smtClean="0"/>
-              <a:t>11/14/2014</a:t>
+              <a:t>11/21/2014</a:t>
             </a:fld>
             <a:endParaRPr lang="en-GB" dirty="0"/>
           </a:p>
@@ -3989,7 +3989,7 @@
           <a:p>
             <a:fld id="{2E14C53F-BF27-4CA7-8275-1A34A7D51537}" type="datetime1">
               <a:rPr lang="en-US" smtClean="0"/>
-              <a:t>11/14/2014</a:t>
+              <a:t>11/21/2014</a:t>
             </a:fld>
             <a:endParaRPr lang="en-GB" dirty="0"/>
           </a:p>
@@ -4206,7 +4206,7 @@
           <a:p>
             <a:fld id="{9B619E48-0410-4C02-AFAC-073FDB2FBD47}" type="datetime1">
               <a:rPr lang="en-US" smtClean="0"/>
-              <a:t>11/14/2014</a:t>
+              <a:t>11/21/2014</a:t>
             </a:fld>
             <a:endParaRPr lang="en-GB" dirty="0"/>
           </a:p>
@@ -4377,7 +4377,7 @@
           <a:p>
             <a:fld id="{2B98A838-AA72-4594-ACAF-57868F9946A0}" type="datetime1">
               <a:rPr lang="en-US" smtClean="0"/>
-              <a:t>11/14/2014</a:t>
+              <a:t>11/21/2014</a:t>
             </a:fld>
             <a:endParaRPr lang="en-GB" dirty="0"/>
           </a:p>
@@ -4865,7 +4865,7 @@
           <a:p>
             <a:fld id="{D5235630-917D-47C5-A7FD-05EDE5C2EC97}" type="datetime1">
               <a:rPr lang="en-US" smtClean="0"/>
-              <a:t>11/14/2014</a:t>
+              <a:t>11/21/2014</a:t>
             </a:fld>
             <a:endParaRPr lang="en-GB" dirty="0"/>
           </a:p>
@@ -5014,7 +5014,7 @@
           <a:p>
             <a:fld id="{CF31C152-3035-461B-9FE9-A713524E711D}" type="datetime1">
               <a:rPr lang="en-US" smtClean="0"/>
-              <a:t>11/14/2014</a:t>
+              <a:t>11/21/2014</a:t>
             </a:fld>
             <a:endParaRPr lang="en-GB" dirty="0"/>
           </a:p>
@@ -5443,7 +5443,7 @@
           <a:p>
             <a:fld id="{044B89F7-7123-4CDC-B897-5FFC4B928E38}" type="datetime1">
               <a:rPr lang="en-US" smtClean="0"/>
-              <a:t>11/14/2014</a:t>
+              <a:t>11/21/2014</a:t>
             </a:fld>
             <a:endParaRPr lang="en-GB" dirty="0"/>
           </a:p>
@@ -5742,7 +5742,7 @@
           <a:p>
             <a:fld id="{FEE53783-98F3-4518-B0F1-483EEA357D14}" type="datetime1">
               <a:rPr lang="en-US" smtClean="0"/>
-              <a:t>11/14/2014</a:t>
+              <a:t>11/21/2014</a:t>
             </a:fld>
             <a:endParaRPr lang="en-GB" dirty="0"/>
           </a:p>
@@ -6074,7 +6074,7 @@
           <a:p>
             <a:fld id="{8E44F8FC-BFC5-45B3-BDBC-AB429CDAD8AB}" type="datetime1">
               <a:rPr lang="en-US" smtClean="0"/>
-              <a:t>11/14/2014</a:t>
+              <a:t>11/21/2014</a:t>
             </a:fld>
             <a:endParaRPr lang="en-GB" dirty="0"/>
           </a:p>
@@ -6513,7 +6513,7 @@
           <a:p>
             <a:fld id="{19F2D611-B658-40CB-A3C9-5636775BE6D3}" type="datetime1">
               <a:rPr lang="en-US" smtClean="0"/>
-              <a:t>11/14/2014</a:t>
+              <a:t>11/21/2014</a:t>
             </a:fld>
             <a:endParaRPr lang="en-GB" dirty="0"/>
           </a:p>
@@ -7071,7 +7071,7 @@
           <a:p>
             <a:fld id="{6F46AB46-B9E5-459F-8C87-534B33EF7994}" type="datetime1">
               <a:rPr lang="en-US" smtClean="0"/>
-              <a:t>11/14/2014</a:t>
+              <a:t>11/21/2014</a:t>
             </a:fld>
             <a:endParaRPr lang="en-GB" dirty="0"/>
           </a:p>
@@ -7275,7 +7275,7 @@
           <a:p>
             <a:fld id="{239014C9-6137-49EE-BD92-93CD75EA122E}" type="datetime1">
               <a:rPr lang="en-US" smtClean="0"/>
-              <a:t>11/14/2014</a:t>
+              <a:t>11/21/2014</a:t>
             </a:fld>
             <a:endParaRPr lang="en-GB" dirty="0"/>
           </a:p>
@@ -7479,7 +7479,7 @@
           <a:p>
             <a:fld id="{8F93730E-7C97-4F11-A885-A8A3179CDF9D}" type="datetime1">
               <a:rPr lang="en-US" smtClean="0"/>
-              <a:t>11/14/2014</a:t>
+              <a:t>11/21/2014</a:t>
             </a:fld>
             <a:endParaRPr lang="en-GB" dirty="0"/>
           </a:p>
@@ -7683,7 +7683,7 @@
           <a:p>
             <a:fld id="{A0CFCDFA-6933-4EAC-BEFF-5BC170CA4404}" type="datetime1">
               <a:rPr lang="en-US" smtClean="0"/>
-              <a:t>11/14/2014</a:t>
+              <a:t>11/21/2014</a:t>
             </a:fld>
             <a:endParaRPr lang="en-GB" dirty="0"/>
           </a:p>
@@ -7930,7 +7930,7 @@
           <a:p>
             <a:fld id="{CB6B008C-3601-43E4-B8C3-F11D36064B19}" type="datetime1">
               <a:rPr lang="en-US" smtClean="0"/>
-              <a:t>11/14/2014</a:t>
+              <a:t>11/21/2014</a:t>
             </a:fld>
             <a:endParaRPr lang="en-GB" dirty="0"/>
           </a:p>
@@ -8116,7 +8116,7 @@
           <a:p>
             <a:fld id="{A2A6D869-B416-4AD0-8C4F-183B93BDC3F2}" type="datetime1">
               <a:rPr lang="en-US" smtClean="0"/>
-              <a:t>11/14/2014</a:t>
+              <a:t>11/21/2014</a:t>
             </a:fld>
             <a:endParaRPr lang="en-GB" dirty="0"/>
           </a:p>
@@ -8285,7 +8285,7 @@
           <a:p>
             <a:fld id="{0EDA1953-F1C9-4687-9D65-25471E433FB8}" type="datetime1">
               <a:rPr lang="en-US" smtClean="0"/>
-              <a:t>11/14/2014</a:t>
+              <a:t>11/21/2014</a:t>
             </a:fld>
             <a:endParaRPr lang="en-GB" dirty="0"/>
           </a:p>
@@ -10257,7 +10257,7 @@
           <a:p>
             <a:fld id="{E1C1B178-CC15-49BC-9DD7-D11C28670564}" type="datetime1">
               <a:rPr lang="en-US" sz="800" smtClean="0"/>
-              <a:t>11/14/2014</a:t>
+              <a:t>11/21/2014</a:t>
             </a:fld>
             <a:endParaRPr lang="en-GB" sz="800" dirty="0"/>
           </a:p>
@@ -10272,7 +10272,7 @@
           <p:nvPr>
             <p:extLst>
               <p:ext uri="{D42A27DB-BD31-4B8C-83A1-F6EECF244321}">
-                <p14:modId xmlns:p14="http://schemas.microsoft.com/office/powerpoint/2010/main" val="2622703951"/>
+                <p14:modId xmlns:p14="http://schemas.microsoft.com/office/powerpoint/2010/main" val="713584330"/>
               </p:ext>
             </p:extLst>
           </p:nvPr>
@@ -10288,8 +10288,8 @@
                 <a:tableStyleId>{5C22544A-7EE6-4342-B048-85BDC9FD1C3A}</a:tableStyleId>
               </a:tblPr>
               <a:tblGrid>
-                <a:gridCol w="1508759"/>
-                <a:gridCol w="1391921"/>
+                <a:gridCol w="1711960"/>
+                <a:gridCol w="1188720"/>
                 <a:gridCol w="1889760"/>
                 <a:gridCol w="1244600"/>
               </a:tblGrid>
@@ -12331,17 +12331,33 @@
                     <a:bodyPr/>
                     <a:lstStyle/>
                     <a:p>
-                      <a:pPr algn="l"/>
+                      <a:pPr marL="0" marR="0" indent="0" algn="l" defTabSz="914400" rtl="0" eaLnBrk="1" fontAlgn="auto" latinLnBrk="0" hangingPunct="1">
+                        <a:lnSpc>
+                          <a:spcPct val="100000"/>
+                        </a:lnSpc>
+                        <a:spcBef>
+                          <a:spcPts val="0"/>
+                        </a:spcBef>
+                        <a:spcAft>
+                          <a:spcPts val="0"/>
+                        </a:spcAft>
+                        <a:buClrTx/>
+                        <a:buSzTx/>
+                        <a:buFontTx/>
+                        <a:buNone/>
+                        <a:tabLst/>
+                        <a:defRPr/>
+                      </a:pPr>
                       <a:r>
-                        <a:rPr lang="en-US" sz="1100" b="1" dirty="0" smtClean="0">
+                        <a:rPr lang="en-US" sz="1100" b="1" smtClean="0">
                           <a:solidFill>
                             <a:srgbClr val="00295B"/>
                           </a:solidFill>
                         </a:rPr>
-                        <a:t>Buy-Sell valuations:</a:t>
+                        <a:t>Recommended Range :</a:t>
                       </a:r>
                       <a:r>
-                        <a:rPr lang="en-US" sz="1100" b="1" baseline="0" dirty="0" smtClean="0">
+                        <a:rPr lang="en-US" sz="1100" b="1" baseline="0" smtClean="0">
                           <a:solidFill>
                             <a:srgbClr val="00295B"/>
                           </a:solidFill>
@@ -12973,7 +12989,7 @@
           <a:p>
             <a:fld id="{E1C1B178-CC15-49BC-9DD7-D11C28670564}" type="datetime1">
               <a:rPr lang="en-US" sz="800" smtClean="0"/>
-              <a:t>11/14/2014</a:t>
+              <a:t>11/21/2014</a:t>
             </a:fld>
             <a:endParaRPr lang="en-GB" sz="800" dirty="0"/>
           </a:p>
